--- a/test/pptx/two-column/all-text/moved-layouts.pptx
+++ b/test/pptx/two-column/all-text/moved-layouts.pptx
@@ -5749,15 +5749,7 @@
             </a:pPr>
             <a:r>
               <a:rPr/>
-              <a:t>Two-Column</a:t>
-            </a:r>
-            <a:r>
-              <a:rPr/>
-              <a:t> </a:t>
-            </a:r>
-            <a:r>
-              <a:rPr/>
-              <a:t>Layout</a:t>
+              <a:t>Two-Column Layout</a:t>
             </a:r>
           </a:p>
         </p:txBody>

--- a/test/pptx/two-column/all-text/moved-layouts.pptx
+++ b/test/pptx/two-column/all-text/moved-layouts.pptx
@@ -5749,11 +5749,7 @@
             </a:pPr>
             <a:r>
               <a:rPr/>
-              <a:t>Two-Column</a:t>
-            </a:r>
-            <a:r>
-              <a:rPr/>
-              <a:t> </a:t>
+              <a:t>Two-Column </a:t>
             </a:r>
             <a:r>
               <a:rPr/>

--- a/test/pptx/two-column/all-text/moved-layouts.pptx
+++ b/test/pptx/two-column/all-text/moved-layouts.pptx
@@ -5749,7 +5749,11 @@
             </a:pPr>
             <a:r>
               <a:rPr/>
-              <a:t>Two-Column </a:t>
+              <a:t>Two-Column</a:t>
+            </a:r>
+            <a:r>
+              <a:rPr/>
+              <a:t> </a:t>
             </a:r>
             <a:r>
               <a:rPr/>
